--- a/Case Study1 Presentation Final.pptx
+++ b/Case Study1 Presentation Final.pptx
@@ -4933,10 +4933,10 @@
       </p:pic>
       <p:pic>
         <p:nvPicPr>
-          <p:cNvPr id="10" name="Picture 9">
-            <a:extLst>
-              <a:ext uri="{FF2B5EF4-FFF2-40B4-BE49-F238E27FC236}">
-                <a16:creationId xmlns:a16="http://schemas.microsoft.com/office/drawing/2014/main" id="{E732AEAE-8921-467B-83B2-D28B65A96F20}"/>
+          <p:cNvPr id="3" name="Picture 2">
+            <a:extLst>
+              <a:ext uri="{FF2B5EF4-FFF2-40B4-BE49-F238E27FC236}">
+                <a16:creationId xmlns:a16="http://schemas.microsoft.com/office/drawing/2014/main" id="{EAF4B686-A390-4F79-8F9F-1FEAA0AAE8C4}"/>
               </a:ext>
             </a:extLst>
           </p:cNvPr>
@@ -4953,8 +4953,8 @@
         </p:blipFill>
         <p:spPr>
           <a:xfrm>
-            <a:off x="5948158" y="1690686"/>
-            <a:ext cx="6217920" cy="4709372"/>
+            <a:off x="6096000" y="1793428"/>
+            <a:ext cx="6162675" cy="4238625"/>
           </a:xfrm>
           <a:prstGeom prst="rect">
             <a:avLst/>
@@ -5118,55 +5118,7 @@
                 <a:latin typeface="Arial" panose="020B0604020202020204" pitchFamily="34" charset="0"/>
                 <a:cs typeface="Arial" panose="020B0604020202020204" pitchFamily="34" charset="0"/>
               </a:rPr>
-              <a:t>Breweries from Maine (ME) </a:t>
-            </a:r>
-            <a:r>
-              <a:rPr lang="en-US" sz="2000" dirty="0" smtClean="0">
-                <a:solidFill>
-                  <a:schemeClr val="accent1">
-                    <a:lumMod val="50000"/>
-                  </a:schemeClr>
-                </a:solidFill>
-                <a:latin typeface="Arial" panose="020B0604020202020204" pitchFamily="34" charset="0"/>
-                <a:cs typeface="Arial" panose="020B0604020202020204" pitchFamily="34" charset="0"/>
-              </a:rPr>
-              <a:t>have a </a:t>
-            </a:r>
-            <a:r>
-              <a:rPr lang="en-US" sz="2000" dirty="0">
-                <a:solidFill>
-                  <a:schemeClr val="accent1">
-                    <a:lumMod val="50000"/>
-                  </a:schemeClr>
-                </a:solidFill>
-                <a:latin typeface="Arial" panose="020B0604020202020204" pitchFamily="34" charset="0"/>
-                <a:cs typeface="Arial" panose="020B0604020202020204" pitchFamily="34" charset="0"/>
-              </a:rPr>
-              <a:t>median </a:t>
-            </a:r>
-            <a:r>
-              <a:rPr lang="en-US" sz="2000" dirty="0" smtClean="0">
-                <a:solidFill>
-                  <a:schemeClr val="accent1">
-                    <a:lumMod val="50000"/>
-                  </a:schemeClr>
-                </a:solidFill>
-                <a:latin typeface="Arial" panose="020B0604020202020204" pitchFamily="34" charset="0"/>
-                <a:cs typeface="Arial" panose="020B0604020202020204" pitchFamily="34" charset="0"/>
-              </a:rPr>
-              <a:t>IBU in </a:t>
-            </a:r>
-            <a:r>
-              <a:rPr lang="en-US" sz="2000" dirty="0">
-                <a:solidFill>
-                  <a:schemeClr val="accent1">
-                    <a:lumMod val="50000"/>
-                  </a:schemeClr>
-                </a:solidFill>
-                <a:latin typeface="Arial" panose="020B0604020202020204" pitchFamily="34" charset="0"/>
-                <a:cs typeface="Arial" panose="020B0604020202020204" pitchFamily="34" charset="0"/>
-              </a:rPr>
-              <a:t>beers of 61 ppm </a:t>
+              <a:t>Breweries from Maine (ME) have a median IBU in beers of 61 ppm </a:t>
             </a:r>
             <a:r>
               <a:rPr lang="en-US" sz="2000" dirty="0" err="1">
@@ -5208,7 +5160,7 @@
               <a:buChar char="q"/>
             </a:pPr>
             <a:r>
-              <a:rPr lang="en-US" sz="2000" dirty="0" smtClean="0">
+              <a:rPr lang="en-US" sz="2000" dirty="0">
                 <a:solidFill>
                   <a:schemeClr val="accent1">
                     <a:lumMod val="50000"/>
@@ -5217,58 +5169,10 @@
                 <a:latin typeface="Arial" panose="020B0604020202020204" pitchFamily="34" charset="0"/>
                 <a:cs typeface="Arial" panose="020B0604020202020204" pitchFamily="34" charset="0"/>
               </a:rPr>
-              <a:t>Colorado boasts the beer with the maximum alcohol by volume (12.8</a:t>
-            </a:r>
-            <a:r>
-              <a:rPr lang="en-US" sz="2000" dirty="0">
-                <a:solidFill>
-                  <a:schemeClr val="accent1">
-                    <a:lumMod val="50000"/>
-                  </a:schemeClr>
-                </a:solidFill>
-                <a:latin typeface="Arial" panose="020B0604020202020204" pitchFamily="34" charset="0"/>
-                <a:cs typeface="Arial" panose="020B0604020202020204" pitchFamily="34" charset="0"/>
-              </a:rPr>
-              <a:t>%) Standard </a:t>
-            </a:r>
-            <a:r>
-              <a:rPr lang="en-US" sz="2000" dirty="0" smtClean="0">
-                <a:solidFill>
-                  <a:schemeClr val="accent1">
-                    <a:lumMod val="50000"/>
-                  </a:schemeClr>
-                </a:solidFill>
-                <a:latin typeface="Arial" panose="020B0604020202020204" pitchFamily="34" charset="0"/>
-                <a:cs typeface="Arial" panose="020B0604020202020204" pitchFamily="34" charset="0"/>
-              </a:rPr>
-              <a:t>Budweiser </a:t>
-            </a:r>
-            <a:r>
-              <a:rPr lang="en-US" sz="2000" dirty="0">
-                <a:solidFill>
-                  <a:schemeClr val="accent1">
-                    <a:lumMod val="50000"/>
-                  </a:schemeClr>
-                </a:solidFill>
-                <a:latin typeface="Arial" panose="020B0604020202020204" pitchFamily="34" charset="0"/>
-                <a:cs typeface="Arial" panose="020B0604020202020204" pitchFamily="34" charset="0"/>
-              </a:rPr>
-              <a:t>has an ABV of 5</a:t>
-            </a:r>
-            <a:r>
-              <a:rPr lang="en-US" sz="2000" dirty="0" smtClean="0">
-                <a:solidFill>
-                  <a:schemeClr val="accent1">
-                    <a:lumMod val="50000"/>
-                  </a:schemeClr>
-                </a:solidFill>
-                <a:latin typeface="Arial" panose="020B0604020202020204" pitchFamily="34" charset="0"/>
-                <a:cs typeface="Arial" panose="020B0604020202020204" pitchFamily="34" charset="0"/>
-              </a:rPr>
-              <a:t>% </a:t>
-            </a:r>
-            <a:r>
-              <a:rPr lang="en-US" sz="2000" i="1" dirty="0" smtClean="0">
+              <a:t>Colorado boasts the beer with the maximum alcohol by volume (12.8%) Standard Budweiser has an ABV of 5% </a:t>
+            </a:r>
+            <a:r>
+              <a:rPr lang="en-US" sz="2000" i="1" dirty="0">
                 <a:solidFill>
                   <a:schemeClr val="accent1">
                     <a:lumMod val="50000"/>
@@ -5280,7 +5184,7 @@
               <a:t>*alcohol by volume beer (Lee Hill Series Vol. 5 - Belgian Style </a:t>
             </a:r>
             <a:r>
-              <a:rPr lang="en-US" sz="2000" i="1" dirty="0" err="1" smtClean="0">
+              <a:rPr lang="en-US" sz="2000" i="1" dirty="0" err="1">
                 <a:solidFill>
                   <a:schemeClr val="accent1">
                     <a:lumMod val="50000"/>
@@ -5292,7 +5196,7 @@
               <a:t>Quadrupel</a:t>
             </a:r>
             <a:r>
-              <a:rPr lang="en-US" sz="2000" i="1" dirty="0" smtClean="0">
+              <a:rPr lang="en-US" sz="2000" i="1" dirty="0">
                 <a:solidFill>
                   <a:schemeClr val="accent1">
                     <a:lumMod val="50000"/>
@@ -5304,7 +5208,7 @@
               <a:t> Ale)</a:t>
             </a:r>
             <a:r>
-              <a:rPr lang="en-US" sz="2000" dirty="0" smtClean="0">
+              <a:rPr lang="en-US" sz="2000" dirty="0">
                 <a:solidFill>
                   <a:schemeClr val="accent1">
                     <a:lumMod val="50000"/>
@@ -5331,7 +5235,7 @@
               <a:buChar char="q"/>
             </a:pPr>
             <a:r>
-              <a:rPr lang="en-US" sz="2000" dirty="0" smtClean="0">
+              <a:rPr lang="en-US" sz="2000" dirty="0">
                 <a:solidFill>
                   <a:schemeClr val="accent1">
                     <a:lumMod val="50000"/>
@@ -5340,43 +5244,7 @@
                 <a:latin typeface="Arial" panose="020B0604020202020204" pitchFamily="34" charset="0"/>
                 <a:cs typeface="Arial" panose="020B0604020202020204" pitchFamily="34" charset="0"/>
               </a:rPr>
-              <a:t>Astoria Bitter Bitch Imperial IPA from Portland</a:t>
-            </a:r>
-            <a:r>
-              <a:rPr lang="en-US" sz="2000" dirty="0">
-                <a:solidFill>
-                  <a:schemeClr val="accent1">
-                    <a:lumMod val="50000"/>
-                  </a:schemeClr>
-                </a:solidFill>
-                <a:latin typeface="Arial" panose="020B0604020202020204" pitchFamily="34" charset="0"/>
-                <a:cs typeface="Arial" panose="020B0604020202020204" pitchFamily="34" charset="0"/>
-              </a:rPr>
-              <a:t>, Oregon has the max IBU of </a:t>
-            </a:r>
-            <a:r>
-              <a:rPr lang="en-US" sz="2000" dirty="0" smtClean="0">
-                <a:solidFill>
-                  <a:schemeClr val="accent1">
-                    <a:lumMod val="50000"/>
-                  </a:schemeClr>
-                </a:solidFill>
-                <a:latin typeface="Arial" panose="020B0604020202020204" pitchFamily="34" charset="0"/>
-                <a:cs typeface="Arial" panose="020B0604020202020204" pitchFamily="34" charset="0"/>
-              </a:rPr>
-              <a:t>138. </a:t>
-            </a:r>
-            <a:r>
-              <a:rPr lang="en-US" sz="2000" dirty="0" smtClean="0">
-                <a:solidFill>
-                  <a:schemeClr val="accent1">
-                    <a:lumMod val="50000"/>
-                  </a:schemeClr>
-                </a:solidFill>
-                <a:latin typeface="Arial" panose="020B0604020202020204" pitchFamily="34" charset="0"/>
-                <a:cs typeface="Arial" panose="020B0604020202020204" pitchFamily="34" charset="0"/>
-              </a:rPr>
-              <a:t>Compared to 7 in a standard Budweiser.</a:t>
+              <a:t>Astoria Bitter Bitch Imperial IPA from Portland, Oregon has the max IBU of 138. Compared to 7 in a standard Budweiser.</a:t>
             </a:r>
           </a:p>
           <a:p>
